--- a/doc/02_外部設計/遷移図改訂版.pptx
+++ b/doc/02_外部設計/遷移図改訂版.pptx
@@ -4,8 +4,12 @@
   <p:sldMasterIdLst>
     <p:sldMasterId id="2147483648" r:id="rId1"/>
   </p:sldMasterIdLst>
+  <p:notesMasterIdLst>
+    <p:notesMasterId r:id="rId4"/>
+  </p:notesMasterIdLst>
   <p:sldIdLst>
     <p:sldId id="256" r:id="rId2"/>
+    <p:sldId id="257" r:id="rId3"/>
   </p:sldIdLst>
   <p:sldSz cx="12192000" cy="6858000"/>
   <p:notesSz cx="6858000" cy="9144000"/>
@@ -112,6 +116,513 @@
 </p:presentation>
 </file>
 
+<file path=ppt/notesMasters/notesMaster1.xml><?xml version="1.0" encoding="utf-8"?>
+<p:notesMaster xmlns:a="http://schemas.openxmlformats.org/drawingml/2006/main" xmlns:r="http://schemas.openxmlformats.org/officeDocument/2006/relationships" xmlns:p="http://schemas.openxmlformats.org/presentationml/2006/main">
+  <p:cSld>
+    <p:bg>
+      <p:bgRef idx="1001">
+        <a:schemeClr val="bg1"/>
+      </p:bgRef>
+    </p:bg>
+    <p:spTree>
+      <p:nvGrpSpPr>
+        <p:cNvPr id="1" name=""/>
+        <p:cNvGrpSpPr/>
+        <p:nvPr/>
+      </p:nvGrpSpPr>
+      <p:grpSpPr>
+        <a:xfrm>
+          <a:off x="0" y="0"/>
+          <a:ext cx="0" cy="0"/>
+          <a:chOff x="0" y="0"/>
+          <a:chExt cx="0" cy="0"/>
+        </a:xfrm>
+      </p:grpSpPr>
+      <p:sp>
+        <p:nvSpPr>
+          <p:cNvPr id="2" name="ヘッダー プレースホルダー 1"/>
+          <p:cNvSpPr>
+            <a:spLocks noGrp="1"/>
+          </p:cNvSpPr>
+          <p:nvPr>
+            <p:ph type="hdr" sz="quarter"/>
+          </p:nvPr>
+        </p:nvSpPr>
+        <p:spPr>
+          <a:xfrm>
+            <a:off x="0" y="0"/>
+            <a:ext cx="2971800" cy="458788"/>
+          </a:xfrm>
+          <a:prstGeom prst="rect">
+            <a:avLst/>
+          </a:prstGeom>
+        </p:spPr>
+        <p:txBody>
+          <a:bodyPr vert="horz" lIns="91440" tIns="45720" rIns="91440" bIns="45720" rtlCol="0"/>
+          <a:lstStyle>
+            <a:lvl1pPr algn="l">
+              <a:defRPr sz="1200"/>
+            </a:lvl1pPr>
+          </a:lstStyle>
+          <a:p>
+            <a:endParaRPr kumimoji="1" lang="ja-JP" altLang="en-US"/>
+          </a:p>
+        </p:txBody>
+      </p:sp>
+      <p:sp>
+        <p:nvSpPr>
+          <p:cNvPr id="3" name="日付プレースホルダー 2"/>
+          <p:cNvSpPr>
+            <a:spLocks noGrp="1"/>
+          </p:cNvSpPr>
+          <p:nvPr>
+            <p:ph type="dt" idx="1"/>
+          </p:nvPr>
+        </p:nvSpPr>
+        <p:spPr>
+          <a:xfrm>
+            <a:off x="3884613" y="0"/>
+            <a:ext cx="2971800" cy="458788"/>
+          </a:xfrm>
+          <a:prstGeom prst="rect">
+            <a:avLst/>
+          </a:prstGeom>
+        </p:spPr>
+        <p:txBody>
+          <a:bodyPr vert="horz" lIns="91440" tIns="45720" rIns="91440" bIns="45720" rtlCol="0"/>
+          <a:lstStyle>
+            <a:lvl1pPr algn="r">
+              <a:defRPr sz="1200"/>
+            </a:lvl1pPr>
+          </a:lstStyle>
+          <a:p>
+            <a:fld id="{38006B43-DD6B-405B-BD37-97F763198E4C}" type="datetimeFigureOut">
+              <a:rPr kumimoji="1" lang="ja-JP" altLang="en-US" smtClean="0"/>
+              <a:t>2024/6/25</a:t>
+            </a:fld>
+            <a:endParaRPr kumimoji="1" lang="ja-JP" altLang="en-US"/>
+          </a:p>
+        </p:txBody>
+      </p:sp>
+      <p:sp>
+        <p:nvSpPr>
+          <p:cNvPr id="4" name="スライド イメージ プレースホルダー 3"/>
+          <p:cNvSpPr>
+            <a:spLocks noGrp="1" noRot="1" noChangeAspect="1"/>
+          </p:cNvSpPr>
+          <p:nvPr>
+            <p:ph type="sldImg" idx="2"/>
+          </p:nvPr>
+        </p:nvSpPr>
+        <p:spPr>
+          <a:xfrm>
+            <a:off x="685800" y="1143000"/>
+            <a:ext cx="5486400" cy="3086100"/>
+          </a:xfrm>
+          <a:prstGeom prst="rect">
+            <a:avLst/>
+          </a:prstGeom>
+          <a:noFill/>
+          <a:ln w="12700">
+            <a:solidFill>
+              <a:prstClr val="black"/>
+            </a:solidFill>
+          </a:ln>
+        </p:spPr>
+        <p:txBody>
+          <a:bodyPr vert="horz" lIns="91440" tIns="45720" rIns="91440" bIns="45720" rtlCol="0" anchor="ctr"/>
+          <a:lstStyle/>
+          <a:p>
+            <a:endParaRPr lang="ja-JP" altLang="en-US"/>
+          </a:p>
+        </p:txBody>
+      </p:sp>
+      <p:sp>
+        <p:nvSpPr>
+          <p:cNvPr id="5" name="ノート プレースホルダー 4"/>
+          <p:cNvSpPr>
+            <a:spLocks noGrp="1"/>
+          </p:cNvSpPr>
+          <p:nvPr>
+            <p:ph type="body" sz="quarter" idx="3"/>
+          </p:nvPr>
+        </p:nvSpPr>
+        <p:spPr>
+          <a:xfrm>
+            <a:off x="685800" y="4400550"/>
+            <a:ext cx="5486400" cy="3600450"/>
+          </a:xfrm>
+          <a:prstGeom prst="rect">
+            <a:avLst/>
+          </a:prstGeom>
+        </p:spPr>
+        <p:txBody>
+          <a:bodyPr vert="horz" lIns="91440" tIns="45720" rIns="91440" bIns="45720" rtlCol="0"/>
+          <a:lstStyle/>
+          <a:p>
+            <a:pPr lvl="0"/>
+            <a:r>
+              <a:rPr kumimoji="1" lang="ja-JP" altLang="en-US"/>
+              <a:t>マスター テキストの書式設定</a:t>
+            </a:r>
+          </a:p>
+          <a:p>
+            <a:pPr lvl="1"/>
+            <a:r>
+              <a:rPr kumimoji="1" lang="ja-JP" altLang="en-US"/>
+              <a:t>第 </a:t>
+            </a:r>
+            <a:r>
+              <a:rPr kumimoji="1" lang="en-US" altLang="ja-JP"/>
+              <a:t>2 </a:t>
+            </a:r>
+            <a:r>
+              <a:rPr kumimoji="1" lang="ja-JP" altLang="en-US"/>
+              <a:t>レベル</a:t>
+            </a:r>
+          </a:p>
+          <a:p>
+            <a:pPr lvl="2"/>
+            <a:r>
+              <a:rPr kumimoji="1" lang="ja-JP" altLang="en-US"/>
+              <a:t>第 </a:t>
+            </a:r>
+            <a:r>
+              <a:rPr kumimoji="1" lang="en-US" altLang="ja-JP"/>
+              <a:t>3 </a:t>
+            </a:r>
+            <a:r>
+              <a:rPr kumimoji="1" lang="ja-JP" altLang="en-US"/>
+              <a:t>レベル</a:t>
+            </a:r>
+          </a:p>
+          <a:p>
+            <a:pPr lvl="3"/>
+            <a:r>
+              <a:rPr kumimoji="1" lang="ja-JP" altLang="en-US"/>
+              <a:t>第 </a:t>
+            </a:r>
+            <a:r>
+              <a:rPr kumimoji="1" lang="en-US" altLang="ja-JP"/>
+              <a:t>4 </a:t>
+            </a:r>
+            <a:r>
+              <a:rPr kumimoji="1" lang="ja-JP" altLang="en-US"/>
+              <a:t>レベル</a:t>
+            </a:r>
+          </a:p>
+          <a:p>
+            <a:pPr lvl="4"/>
+            <a:r>
+              <a:rPr kumimoji="1" lang="ja-JP" altLang="en-US"/>
+              <a:t>第 </a:t>
+            </a:r>
+            <a:r>
+              <a:rPr kumimoji="1" lang="en-US" altLang="ja-JP"/>
+              <a:t>5 </a:t>
+            </a:r>
+            <a:r>
+              <a:rPr kumimoji="1" lang="ja-JP" altLang="en-US"/>
+              <a:t>レベル</a:t>
+            </a:r>
+          </a:p>
+        </p:txBody>
+      </p:sp>
+      <p:sp>
+        <p:nvSpPr>
+          <p:cNvPr id="6" name="フッター プレースホルダー 5"/>
+          <p:cNvSpPr>
+            <a:spLocks noGrp="1"/>
+          </p:cNvSpPr>
+          <p:nvPr>
+            <p:ph type="ftr" sz="quarter" idx="4"/>
+          </p:nvPr>
+        </p:nvSpPr>
+        <p:spPr>
+          <a:xfrm>
+            <a:off x="0" y="8685213"/>
+            <a:ext cx="2971800" cy="458787"/>
+          </a:xfrm>
+          <a:prstGeom prst="rect">
+            <a:avLst/>
+          </a:prstGeom>
+        </p:spPr>
+        <p:txBody>
+          <a:bodyPr vert="horz" lIns="91440" tIns="45720" rIns="91440" bIns="45720" rtlCol="0" anchor="b"/>
+          <a:lstStyle>
+            <a:lvl1pPr algn="l">
+              <a:defRPr sz="1200"/>
+            </a:lvl1pPr>
+          </a:lstStyle>
+          <a:p>
+            <a:endParaRPr kumimoji="1" lang="ja-JP" altLang="en-US"/>
+          </a:p>
+        </p:txBody>
+      </p:sp>
+      <p:sp>
+        <p:nvSpPr>
+          <p:cNvPr id="7" name="スライド番号プレースホルダー 6"/>
+          <p:cNvSpPr>
+            <a:spLocks noGrp="1"/>
+          </p:cNvSpPr>
+          <p:nvPr>
+            <p:ph type="sldNum" sz="quarter" idx="5"/>
+          </p:nvPr>
+        </p:nvSpPr>
+        <p:spPr>
+          <a:xfrm>
+            <a:off x="3884613" y="8685213"/>
+            <a:ext cx="2971800" cy="458787"/>
+          </a:xfrm>
+          <a:prstGeom prst="rect">
+            <a:avLst/>
+          </a:prstGeom>
+        </p:spPr>
+        <p:txBody>
+          <a:bodyPr vert="horz" lIns="91440" tIns="45720" rIns="91440" bIns="45720" rtlCol="0" anchor="b"/>
+          <a:lstStyle>
+            <a:lvl1pPr algn="r">
+              <a:defRPr sz="1200"/>
+            </a:lvl1pPr>
+          </a:lstStyle>
+          <a:p>
+            <a:fld id="{C14D2624-D693-4744-8F14-4CB6AA1D251A}" type="slidenum">
+              <a:rPr kumimoji="1" lang="ja-JP" altLang="en-US" smtClean="0"/>
+              <a:t>‹#›</a:t>
+            </a:fld>
+            <a:endParaRPr kumimoji="1" lang="ja-JP" altLang="en-US"/>
+          </a:p>
+        </p:txBody>
+      </p:sp>
+    </p:spTree>
+    <p:extLst>
+      <p:ext uri="{BB962C8B-B14F-4D97-AF65-F5344CB8AC3E}">
+        <p14:creationId xmlns:p14="http://schemas.microsoft.com/office/powerpoint/2010/main" val="1580461833"/>
+      </p:ext>
+    </p:extLst>
+  </p:cSld>
+  <p:clrMap bg1="lt1" tx1="dk1" bg2="lt2" tx2="dk2" accent1="accent1" accent2="accent2" accent3="accent3" accent4="accent4" accent5="accent5" accent6="accent6" hlink="hlink" folHlink="folHlink"/>
+  <p:notesStyle>
+    <a:lvl1pPr marL="0" algn="l" defTabSz="914400" rtl="0" eaLnBrk="1" latinLnBrk="0" hangingPunct="1">
+      <a:defRPr kumimoji="1" sz="1200" kern="1200">
+        <a:solidFill>
+          <a:schemeClr val="tx1"/>
+        </a:solidFill>
+        <a:latin typeface="+mn-lt"/>
+        <a:ea typeface="+mn-ea"/>
+        <a:cs typeface="+mn-cs"/>
+      </a:defRPr>
+    </a:lvl1pPr>
+    <a:lvl2pPr marL="457200" algn="l" defTabSz="914400" rtl="0" eaLnBrk="1" latinLnBrk="0" hangingPunct="1">
+      <a:defRPr kumimoji="1" sz="1200" kern="1200">
+        <a:solidFill>
+          <a:schemeClr val="tx1"/>
+        </a:solidFill>
+        <a:latin typeface="+mn-lt"/>
+        <a:ea typeface="+mn-ea"/>
+        <a:cs typeface="+mn-cs"/>
+      </a:defRPr>
+    </a:lvl2pPr>
+    <a:lvl3pPr marL="914400" algn="l" defTabSz="914400" rtl="0" eaLnBrk="1" latinLnBrk="0" hangingPunct="1">
+      <a:defRPr kumimoji="1" sz="1200" kern="1200">
+        <a:solidFill>
+          <a:schemeClr val="tx1"/>
+        </a:solidFill>
+        <a:latin typeface="+mn-lt"/>
+        <a:ea typeface="+mn-ea"/>
+        <a:cs typeface="+mn-cs"/>
+      </a:defRPr>
+    </a:lvl3pPr>
+    <a:lvl4pPr marL="1371600" algn="l" defTabSz="914400" rtl="0" eaLnBrk="1" latinLnBrk="0" hangingPunct="1">
+      <a:defRPr kumimoji="1" sz="1200" kern="1200">
+        <a:solidFill>
+          <a:schemeClr val="tx1"/>
+        </a:solidFill>
+        <a:latin typeface="+mn-lt"/>
+        <a:ea typeface="+mn-ea"/>
+        <a:cs typeface="+mn-cs"/>
+      </a:defRPr>
+    </a:lvl4pPr>
+    <a:lvl5pPr marL="1828800" algn="l" defTabSz="914400" rtl="0" eaLnBrk="1" latinLnBrk="0" hangingPunct="1">
+      <a:defRPr kumimoji="1" sz="1200" kern="1200">
+        <a:solidFill>
+          <a:schemeClr val="tx1"/>
+        </a:solidFill>
+        <a:latin typeface="+mn-lt"/>
+        <a:ea typeface="+mn-ea"/>
+        <a:cs typeface="+mn-cs"/>
+      </a:defRPr>
+    </a:lvl5pPr>
+    <a:lvl6pPr marL="2286000" algn="l" defTabSz="914400" rtl="0" eaLnBrk="1" latinLnBrk="0" hangingPunct="1">
+      <a:defRPr kumimoji="1" sz="1200" kern="1200">
+        <a:solidFill>
+          <a:schemeClr val="tx1"/>
+        </a:solidFill>
+        <a:latin typeface="+mn-lt"/>
+        <a:ea typeface="+mn-ea"/>
+        <a:cs typeface="+mn-cs"/>
+      </a:defRPr>
+    </a:lvl6pPr>
+    <a:lvl7pPr marL="2743200" algn="l" defTabSz="914400" rtl="0" eaLnBrk="1" latinLnBrk="0" hangingPunct="1">
+      <a:defRPr kumimoji="1" sz="1200" kern="1200">
+        <a:solidFill>
+          <a:schemeClr val="tx1"/>
+        </a:solidFill>
+        <a:latin typeface="+mn-lt"/>
+        <a:ea typeface="+mn-ea"/>
+        <a:cs typeface="+mn-cs"/>
+      </a:defRPr>
+    </a:lvl7pPr>
+    <a:lvl8pPr marL="3200400" algn="l" defTabSz="914400" rtl="0" eaLnBrk="1" latinLnBrk="0" hangingPunct="1">
+      <a:defRPr kumimoji="1" sz="1200" kern="1200">
+        <a:solidFill>
+          <a:schemeClr val="tx1"/>
+        </a:solidFill>
+        <a:latin typeface="+mn-lt"/>
+        <a:ea typeface="+mn-ea"/>
+        <a:cs typeface="+mn-cs"/>
+      </a:defRPr>
+    </a:lvl8pPr>
+    <a:lvl9pPr marL="3657600" algn="l" defTabSz="914400" rtl="0" eaLnBrk="1" latinLnBrk="0" hangingPunct="1">
+      <a:defRPr kumimoji="1" sz="1200" kern="1200">
+        <a:solidFill>
+          <a:schemeClr val="tx1"/>
+        </a:solidFill>
+        <a:latin typeface="+mn-lt"/>
+        <a:ea typeface="+mn-ea"/>
+        <a:cs typeface="+mn-cs"/>
+      </a:defRPr>
+    </a:lvl9pPr>
+  </p:notesStyle>
+</p:notesMaster>
+</file>
+
+<file path=ppt/notesSlides/notesSlide1.xml><?xml version="1.0" encoding="utf-8"?>
+<p:notes xmlns:a="http://schemas.openxmlformats.org/drawingml/2006/main" xmlns:r="http://schemas.openxmlformats.org/officeDocument/2006/relationships" xmlns:p="http://schemas.openxmlformats.org/presentationml/2006/main">
+  <p:cSld>
+    <p:spTree>
+      <p:nvGrpSpPr>
+        <p:cNvPr id="1" name=""/>
+        <p:cNvGrpSpPr/>
+        <p:nvPr/>
+      </p:nvGrpSpPr>
+      <p:grpSpPr>
+        <a:xfrm>
+          <a:off x="0" y="0"/>
+          <a:ext cx="0" cy="0"/>
+          <a:chOff x="0" y="0"/>
+          <a:chExt cx="0" cy="0"/>
+        </a:xfrm>
+      </p:grpSpPr>
+      <p:sp>
+        <p:nvSpPr>
+          <p:cNvPr id="2" name="スライド イメージ プレースホルダー 1"/>
+          <p:cNvSpPr>
+            <a:spLocks noGrp="1" noRot="1" noChangeAspect="1"/>
+          </p:cNvSpPr>
+          <p:nvPr>
+            <p:ph type="sldImg"/>
+          </p:nvPr>
+        </p:nvSpPr>
+        <p:spPr/>
+      </p:sp>
+      <p:sp>
+        <p:nvSpPr>
+          <p:cNvPr id="3" name="ノート プレースホルダー 2"/>
+          <p:cNvSpPr>
+            <a:spLocks noGrp="1"/>
+          </p:cNvSpPr>
+          <p:nvPr>
+            <p:ph type="body" idx="1"/>
+          </p:nvPr>
+        </p:nvSpPr>
+        <p:spPr/>
+        <p:txBody>
+          <a:bodyPr/>
+          <a:lstStyle/>
+          <a:p>
+            <a:r>
+              <a:rPr kumimoji="1" lang="ja-JP" altLang="en-US" dirty="0"/>
+              <a:t>画面遷移についてです。</a:t>
+            </a:r>
+            <a:endParaRPr kumimoji="1" lang="en-US" altLang="ja-JP" dirty="0"/>
+          </a:p>
+          <a:p>
+            <a:r>
+              <a:rPr kumimoji="1" lang="ja-JP" altLang="en-US" dirty="0"/>
+              <a:t>まず始めにウェルカムページが表示され、次にユーザー登録・ログインを行うことができます。</a:t>
+            </a:r>
+            <a:endParaRPr kumimoji="1" lang="en-US" altLang="ja-JP" dirty="0"/>
+          </a:p>
+          <a:p>
+            <a:r>
+              <a:rPr kumimoji="1" lang="ja-JP" altLang="en-US" dirty="0"/>
+              <a:t>そちらが完了すると、家登録が行うことができ、家参加を完了すると</a:t>
+            </a:r>
+            <a:endParaRPr kumimoji="1" lang="en-US" altLang="ja-JP" dirty="0"/>
+          </a:p>
+          <a:p>
+            <a:r>
+              <a:rPr kumimoji="1" lang="ja-JP" altLang="en-US" dirty="0"/>
+              <a:t>メインページである家管理画面に遷移できます。</a:t>
+            </a:r>
+            <a:endParaRPr kumimoji="1" lang="en-US" altLang="ja-JP" dirty="0"/>
+          </a:p>
+          <a:p>
+            <a:r>
+              <a:rPr kumimoji="1" lang="ja-JP" altLang="en-US" dirty="0"/>
+              <a:t>メイン画面にある右上のハンバーガーメニューから、下の３つのメイン機能</a:t>
+            </a:r>
+            <a:endParaRPr kumimoji="1" lang="en-US" altLang="ja-JP" dirty="0"/>
+          </a:p>
+          <a:p>
+            <a:r>
+              <a:rPr kumimoji="1" lang="ja-JP" altLang="en-US" dirty="0"/>
+              <a:t>家事分担、消耗品管理、レシート精算・登録機能に遷移することができます。</a:t>
+            </a:r>
+            <a:endParaRPr kumimoji="1" lang="en-US" altLang="ja-JP" dirty="0"/>
+          </a:p>
+          <a:p>
+            <a:endParaRPr kumimoji="1" lang="ja-JP" altLang="en-US" dirty="0"/>
+          </a:p>
+        </p:txBody>
+      </p:sp>
+      <p:sp>
+        <p:nvSpPr>
+          <p:cNvPr id="4" name="スライド番号プレースホルダー 3"/>
+          <p:cNvSpPr>
+            <a:spLocks noGrp="1"/>
+          </p:cNvSpPr>
+          <p:nvPr>
+            <p:ph type="sldNum" sz="quarter" idx="5"/>
+          </p:nvPr>
+        </p:nvSpPr>
+        <p:spPr/>
+        <p:txBody>
+          <a:bodyPr/>
+          <a:lstStyle/>
+          <a:p>
+            <a:fld id="{C14D2624-D693-4744-8F14-4CB6AA1D251A}" type="slidenum">
+              <a:rPr kumimoji="1" lang="ja-JP" altLang="en-US" smtClean="0"/>
+              <a:t>2</a:t>
+            </a:fld>
+            <a:endParaRPr kumimoji="1" lang="ja-JP" altLang="en-US"/>
+          </a:p>
+        </p:txBody>
+      </p:sp>
+    </p:spTree>
+    <p:extLst>
+      <p:ext uri="{BB962C8B-B14F-4D97-AF65-F5344CB8AC3E}">
+        <p14:creationId xmlns:p14="http://schemas.microsoft.com/office/powerpoint/2010/main" val="3582489560"/>
+      </p:ext>
+    </p:extLst>
+  </p:cSld>
+  <p:clrMapOvr>
+    <a:masterClrMapping/>
+  </p:clrMapOvr>
+</p:notes>
+</file>
+
 <file path=ppt/slideLayouts/slideLayout1.xml><?xml version="1.0" encoding="utf-8"?>
 <p:sldLayout xmlns:a="http://schemas.openxmlformats.org/drawingml/2006/main" xmlns:r="http://schemas.openxmlformats.org/officeDocument/2006/relationships" xmlns:p="http://schemas.openxmlformats.org/presentationml/2006/main" type="title" preserve="1">
   <p:cSld name="タイトル スライド">
@@ -259,7 +770,7 @@
           <a:p>
             <a:fld id="{C8ECB970-B53B-4617-81CF-05EE419B8CEC}" type="datetimeFigureOut">
               <a:rPr kumimoji="1" lang="ja-JP" altLang="en-US" smtClean="0"/>
-              <a:t>2024/6/11</a:t>
+              <a:t>2024/6/25</a:t>
             </a:fld>
             <a:endParaRPr kumimoji="1" lang="ja-JP" altLang="en-US"/>
           </a:p>
@@ -489,7 +1000,7 @@
           <a:p>
             <a:fld id="{C8ECB970-B53B-4617-81CF-05EE419B8CEC}" type="datetimeFigureOut">
               <a:rPr kumimoji="1" lang="ja-JP" altLang="en-US" smtClean="0"/>
-              <a:t>2024/6/11</a:t>
+              <a:t>2024/6/25</a:t>
             </a:fld>
             <a:endParaRPr kumimoji="1" lang="ja-JP" altLang="en-US"/>
           </a:p>
@@ -729,7 +1240,7 @@
           <a:p>
             <a:fld id="{C8ECB970-B53B-4617-81CF-05EE419B8CEC}" type="datetimeFigureOut">
               <a:rPr kumimoji="1" lang="ja-JP" altLang="en-US" smtClean="0"/>
-              <a:t>2024/6/11</a:t>
+              <a:t>2024/6/25</a:t>
             </a:fld>
             <a:endParaRPr kumimoji="1" lang="ja-JP" altLang="en-US"/>
           </a:p>
@@ -959,7 +1470,7 @@
           <a:p>
             <a:fld id="{C8ECB970-B53B-4617-81CF-05EE419B8CEC}" type="datetimeFigureOut">
               <a:rPr kumimoji="1" lang="ja-JP" altLang="en-US" smtClean="0"/>
-              <a:t>2024/6/11</a:t>
+              <a:t>2024/6/25</a:t>
             </a:fld>
             <a:endParaRPr kumimoji="1" lang="ja-JP" altLang="en-US"/>
           </a:p>
@@ -1234,7 +1745,7 @@
           <a:p>
             <a:fld id="{C8ECB970-B53B-4617-81CF-05EE419B8CEC}" type="datetimeFigureOut">
               <a:rPr kumimoji="1" lang="ja-JP" altLang="en-US" smtClean="0"/>
-              <a:t>2024/6/11</a:t>
+              <a:t>2024/6/25</a:t>
             </a:fld>
             <a:endParaRPr kumimoji="1" lang="ja-JP" altLang="en-US"/>
           </a:p>
@@ -1563,7 +2074,7 @@
           <a:p>
             <a:fld id="{C8ECB970-B53B-4617-81CF-05EE419B8CEC}" type="datetimeFigureOut">
               <a:rPr kumimoji="1" lang="ja-JP" altLang="en-US" smtClean="0"/>
-              <a:t>2024/6/11</a:t>
+              <a:t>2024/6/25</a:t>
             </a:fld>
             <a:endParaRPr kumimoji="1" lang="ja-JP" altLang="en-US"/>
           </a:p>
@@ -2039,7 +2550,7 @@
           <a:p>
             <a:fld id="{C8ECB970-B53B-4617-81CF-05EE419B8CEC}" type="datetimeFigureOut">
               <a:rPr kumimoji="1" lang="ja-JP" altLang="en-US" smtClean="0"/>
-              <a:t>2024/6/11</a:t>
+              <a:t>2024/6/25</a:t>
             </a:fld>
             <a:endParaRPr kumimoji="1" lang="ja-JP" altLang="en-US"/>
           </a:p>
@@ -2180,7 +2691,7 @@
           <a:p>
             <a:fld id="{C8ECB970-B53B-4617-81CF-05EE419B8CEC}" type="datetimeFigureOut">
               <a:rPr kumimoji="1" lang="ja-JP" altLang="en-US" smtClean="0"/>
-              <a:t>2024/6/11</a:t>
+              <a:t>2024/6/25</a:t>
             </a:fld>
             <a:endParaRPr kumimoji="1" lang="ja-JP" altLang="en-US"/>
           </a:p>
@@ -2293,7 +2804,7 @@
           <a:p>
             <a:fld id="{C8ECB970-B53B-4617-81CF-05EE419B8CEC}" type="datetimeFigureOut">
               <a:rPr kumimoji="1" lang="ja-JP" altLang="en-US" smtClean="0"/>
-              <a:t>2024/6/11</a:t>
+              <a:t>2024/6/25</a:t>
             </a:fld>
             <a:endParaRPr kumimoji="1" lang="ja-JP" altLang="en-US"/>
           </a:p>
@@ -2636,7 +3147,7 @@
           <a:p>
             <a:fld id="{C8ECB970-B53B-4617-81CF-05EE419B8CEC}" type="datetimeFigureOut">
               <a:rPr kumimoji="1" lang="ja-JP" altLang="en-US" smtClean="0"/>
-              <a:t>2024/6/11</a:t>
+              <a:t>2024/6/25</a:t>
             </a:fld>
             <a:endParaRPr kumimoji="1" lang="ja-JP" altLang="en-US"/>
           </a:p>
@@ -2924,7 +3435,7 @@
           <a:p>
             <a:fld id="{C8ECB970-B53B-4617-81CF-05EE419B8CEC}" type="datetimeFigureOut">
               <a:rPr kumimoji="1" lang="ja-JP" altLang="en-US" smtClean="0"/>
-              <a:t>2024/6/11</a:t>
+              <a:t>2024/6/25</a:t>
             </a:fld>
             <a:endParaRPr kumimoji="1" lang="ja-JP" altLang="en-US"/>
           </a:p>
@@ -3197,7 +3708,7 @@
           <a:p>
             <a:fld id="{C8ECB970-B53B-4617-81CF-05EE419B8CEC}" type="datetimeFigureOut">
               <a:rPr kumimoji="1" lang="ja-JP" altLang="en-US" smtClean="0"/>
-              <a:t>2024/6/11</a:t>
+              <a:t>2024/6/25</a:t>
             </a:fld>
             <a:endParaRPr kumimoji="1" lang="ja-JP" altLang="en-US"/>
           </a:p>
@@ -6772,6 +7283,1082 @@
     <p:extLst>
       <p:ext uri="{BB962C8B-B14F-4D97-AF65-F5344CB8AC3E}">
         <p14:creationId xmlns:p14="http://schemas.microsoft.com/office/powerpoint/2010/main" val="1866968544"/>
+      </p:ext>
+    </p:extLst>
+  </p:cSld>
+  <p:clrMapOvr>
+    <a:masterClrMapping/>
+  </p:clrMapOvr>
+</p:sld>
+</file>
+
+<file path=ppt/slides/slide2.xml><?xml version="1.0" encoding="utf-8"?>
+<p:sld xmlns:a="http://schemas.openxmlformats.org/drawingml/2006/main" xmlns:r="http://schemas.openxmlformats.org/officeDocument/2006/relationships" xmlns:p="http://schemas.openxmlformats.org/presentationml/2006/main">
+  <p:cSld>
+    <p:spTree>
+      <p:nvGrpSpPr>
+        <p:cNvPr id="1" name=""/>
+        <p:cNvGrpSpPr/>
+        <p:nvPr/>
+      </p:nvGrpSpPr>
+      <p:grpSpPr>
+        <a:xfrm>
+          <a:off x="0" y="0"/>
+          <a:ext cx="0" cy="0"/>
+          <a:chOff x="0" y="0"/>
+          <a:chExt cx="0" cy="0"/>
+        </a:xfrm>
+      </p:grpSpPr>
+      <p:cxnSp>
+        <p:nvCxnSpPr>
+          <p:cNvPr id="51" name="直線コネクタ 50">
+            <a:extLst>
+              <a:ext uri="{FF2B5EF4-FFF2-40B4-BE49-F238E27FC236}">
+                <a16:creationId xmlns:a16="http://schemas.microsoft.com/office/drawing/2014/main" id="{32C0B614-050B-AFFE-D01E-A5ACB5809430}"/>
+              </a:ext>
+            </a:extLst>
+          </p:cNvPr>
+          <p:cNvCxnSpPr>
+            <a:cxnSpLocks/>
+          </p:cNvCxnSpPr>
+          <p:nvPr/>
+        </p:nvCxnSpPr>
+        <p:spPr>
+          <a:xfrm>
+            <a:off x="4082718" y="1431431"/>
+            <a:ext cx="0" cy="0"/>
+          </a:xfrm>
+          <a:prstGeom prst="line">
+            <a:avLst/>
+          </a:prstGeom>
+          <a:ln>
+            <a:solidFill>
+              <a:schemeClr val="tx1"/>
+            </a:solidFill>
+          </a:ln>
+        </p:spPr>
+        <p:style>
+          <a:lnRef idx="2">
+            <a:schemeClr val="accent1"/>
+          </a:lnRef>
+          <a:fillRef idx="0">
+            <a:schemeClr val="accent1"/>
+          </a:fillRef>
+          <a:effectRef idx="1">
+            <a:schemeClr val="accent1"/>
+          </a:effectRef>
+          <a:fontRef idx="minor">
+            <a:schemeClr val="tx1"/>
+          </a:fontRef>
+        </p:style>
+      </p:cxnSp>
+      <p:cxnSp>
+        <p:nvCxnSpPr>
+          <p:cNvPr id="56" name="直線コネクタ 55">
+            <a:extLst>
+              <a:ext uri="{FF2B5EF4-FFF2-40B4-BE49-F238E27FC236}">
+                <a16:creationId xmlns:a16="http://schemas.microsoft.com/office/drawing/2014/main" id="{7E45F17C-97F1-90F0-FEB1-4C186F266B38}"/>
+              </a:ext>
+            </a:extLst>
+          </p:cNvPr>
+          <p:cNvCxnSpPr>
+            <a:cxnSpLocks/>
+          </p:cNvCxnSpPr>
+          <p:nvPr/>
+        </p:nvCxnSpPr>
+        <p:spPr>
+          <a:xfrm>
+            <a:off x="6032307" y="1089722"/>
+            <a:ext cx="0" cy="1870662"/>
+          </a:xfrm>
+          <a:prstGeom prst="line">
+            <a:avLst/>
+          </a:prstGeom>
+        </p:spPr>
+        <p:style>
+          <a:lnRef idx="2">
+            <a:schemeClr val="dk1"/>
+          </a:lnRef>
+          <a:fillRef idx="0">
+            <a:schemeClr val="dk1"/>
+          </a:fillRef>
+          <a:effectRef idx="1">
+            <a:schemeClr val="dk1"/>
+          </a:effectRef>
+          <a:fontRef idx="minor">
+            <a:schemeClr val="tx1"/>
+          </a:fontRef>
+        </p:style>
+      </p:cxnSp>
+      <p:cxnSp>
+        <p:nvCxnSpPr>
+          <p:cNvPr id="132" name="直線コネクタ 131">
+            <a:extLst>
+              <a:ext uri="{FF2B5EF4-FFF2-40B4-BE49-F238E27FC236}">
+                <a16:creationId xmlns:a16="http://schemas.microsoft.com/office/drawing/2014/main" id="{62E34156-EE90-C89A-3E55-8C32F7F9B3C7}"/>
+              </a:ext>
+            </a:extLst>
+          </p:cNvPr>
+          <p:cNvCxnSpPr>
+            <a:cxnSpLocks/>
+          </p:cNvCxnSpPr>
+          <p:nvPr/>
+        </p:nvCxnSpPr>
+        <p:spPr>
+          <a:xfrm>
+            <a:off x="6022289" y="4027911"/>
+            <a:ext cx="1" cy="339964"/>
+          </a:xfrm>
+          <a:prstGeom prst="line">
+            <a:avLst/>
+          </a:prstGeom>
+        </p:spPr>
+        <p:style>
+          <a:lnRef idx="2">
+            <a:schemeClr val="dk1"/>
+          </a:lnRef>
+          <a:fillRef idx="0">
+            <a:schemeClr val="dk1"/>
+          </a:fillRef>
+          <a:effectRef idx="1">
+            <a:schemeClr val="dk1"/>
+          </a:effectRef>
+          <a:fontRef idx="minor">
+            <a:schemeClr val="tx1"/>
+          </a:fontRef>
+        </p:style>
+      </p:cxnSp>
+      <p:sp>
+        <p:nvSpPr>
+          <p:cNvPr id="4" name="リボン: 上に曲がる 3">
+            <a:extLst>
+              <a:ext uri="{FF2B5EF4-FFF2-40B4-BE49-F238E27FC236}">
+                <a16:creationId xmlns:a16="http://schemas.microsoft.com/office/drawing/2014/main" id="{CA7111C1-95A5-6802-1DE6-98B9312DCAEF}"/>
+              </a:ext>
+            </a:extLst>
+          </p:cNvPr>
+          <p:cNvSpPr/>
+          <p:nvPr/>
+        </p:nvSpPr>
+        <p:spPr>
+          <a:xfrm>
+            <a:off x="4230328" y="616346"/>
+            <a:ext cx="3773129" cy="726117"/>
+          </a:xfrm>
+          <a:prstGeom prst="ribbon2">
+            <a:avLst>
+              <a:gd name="adj1" fmla="val 20729"/>
+              <a:gd name="adj2" fmla="val 65899"/>
+            </a:avLst>
+          </a:prstGeom>
+          <a:solidFill>
+            <a:srgbClr val="F1F8E8"/>
+          </a:solidFill>
+          <a:ln>
+            <a:solidFill>
+              <a:srgbClr val="008080"/>
+            </a:solidFill>
+          </a:ln>
+        </p:spPr>
+        <p:style>
+          <a:lnRef idx="2">
+            <a:schemeClr val="accent1">
+              <a:shade val="15000"/>
+            </a:schemeClr>
+          </a:lnRef>
+          <a:fillRef idx="1">
+            <a:schemeClr val="accent1"/>
+          </a:fillRef>
+          <a:effectRef idx="0">
+            <a:schemeClr val="accent1"/>
+          </a:effectRef>
+          <a:fontRef idx="minor">
+            <a:schemeClr val="lt1"/>
+          </a:fontRef>
+        </p:style>
+        <p:txBody>
+          <a:bodyPr rtlCol="0" anchor="ctr"/>
+          <a:lstStyle/>
+          <a:p>
+            <a:pPr algn="ctr"/>
+            <a:endParaRPr kumimoji="1" lang="ja-JP" altLang="en-US"/>
+          </a:p>
+        </p:txBody>
+      </p:sp>
+      <p:sp>
+        <p:nvSpPr>
+          <p:cNvPr id="5" name="テキスト ボックス 4">
+            <a:extLst>
+              <a:ext uri="{FF2B5EF4-FFF2-40B4-BE49-F238E27FC236}">
+                <a16:creationId xmlns:a16="http://schemas.microsoft.com/office/drawing/2014/main" id="{C3C1D152-E49F-197B-A3D0-C9434547A44F}"/>
+              </a:ext>
+            </a:extLst>
+          </p:cNvPr>
+          <p:cNvSpPr txBox="1"/>
+          <p:nvPr/>
+        </p:nvSpPr>
+        <p:spPr>
+          <a:xfrm>
+            <a:off x="4751239" y="723820"/>
+            <a:ext cx="2727158" cy="461665"/>
+          </a:xfrm>
+          <a:prstGeom prst="rect">
+            <a:avLst/>
+          </a:prstGeom>
+          <a:noFill/>
+        </p:spPr>
+        <p:txBody>
+          <a:bodyPr wrap="square" rtlCol="0">
+            <a:spAutoFit/>
+          </a:bodyPr>
+          <a:lstStyle/>
+          <a:p>
+            <a:r>
+              <a:rPr kumimoji="1" lang="ja-JP" altLang="en-US" sz="2400" b="1" dirty="0"/>
+              <a:t>ウェルカムページ</a:t>
+            </a:r>
+          </a:p>
+        </p:txBody>
+      </p:sp>
+      <p:sp>
+        <p:nvSpPr>
+          <p:cNvPr id="16" name="四角形: 角を丸くする 15">
+            <a:extLst>
+              <a:ext uri="{FF2B5EF4-FFF2-40B4-BE49-F238E27FC236}">
+                <a16:creationId xmlns:a16="http://schemas.microsoft.com/office/drawing/2014/main" id="{AE2C20DC-84DF-20F6-CE79-2CD26428751E}"/>
+              </a:ext>
+            </a:extLst>
+          </p:cNvPr>
+          <p:cNvSpPr/>
+          <p:nvPr/>
+        </p:nvSpPr>
+        <p:spPr>
+          <a:xfrm>
+            <a:off x="5118317" y="2176660"/>
+            <a:ext cx="1941088" cy="410933"/>
+          </a:xfrm>
+          <a:prstGeom prst="roundRect">
+            <a:avLst/>
+          </a:prstGeom>
+          <a:solidFill>
+            <a:srgbClr val="F1F8E8"/>
+          </a:solidFill>
+          <a:ln>
+            <a:solidFill>
+              <a:srgbClr val="008080"/>
+            </a:solidFill>
+          </a:ln>
+        </p:spPr>
+        <p:style>
+          <a:lnRef idx="2">
+            <a:schemeClr val="accent1">
+              <a:shade val="15000"/>
+            </a:schemeClr>
+          </a:lnRef>
+          <a:fillRef idx="1">
+            <a:schemeClr val="accent1"/>
+          </a:fillRef>
+          <a:effectRef idx="0">
+            <a:schemeClr val="accent1"/>
+          </a:effectRef>
+          <a:fontRef idx="minor">
+            <a:schemeClr val="lt1"/>
+          </a:fontRef>
+        </p:style>
+        <p:txBody>
+          <a:bodyPr rtlCol="0" anchor="ctr"/>
+          <a:lstStyle/>
+          <a:p>
+            <a:pPr algn="ctr"/>
+            <a:endParaRPr kumimoji="1" lang="ja-JP" altLang="en-US"/>
+          </a:p>
+        </p:txBody>
+      </p:sp>
+      <p:sp>
+        <p:nvSpPr>
+          <p:cNvPr id="17" name="四角形: 角を丸くする 16">
+            <a:extLst>
+              <a:ext uri="{FF2B5EF4-FFF2-40B4-BE49-F238E27FC236}">
+                <a16:creationId xmlns:a16="http://schemas.microsoft.com/office/drawing/2014/main" id="{7CF99BE6-1016-45CC-274D-63A73BF26D80}"/>
+              </a:ext>
+            </a:extLst>
+          </p:cNvPr>
+          <p:cNvSpPr/>
+          <p:nvPr/>
+        </p:nvSpPr>
+        <p:spPr>
+          <a:xfrm>
+            <a:off x="4548126" y="1523611"/>
+            <a:ext cx="3212396" cy="410933"/>
+          </a:xfrm>
+          <a:prstGeom prst="roundRect">
+            <a:avLst/>
+          </a:prstGeom>
+          <a:solidFill>
+            <a:srgbClr val="F1F8E8"/>
+          </a:solidFill>
+          <a:ln>
+            <a:solidFill>
+              <a:srgbClr val="008080"/>
+            </a:solidFill>
+          </a:ln>
+        </p:spPr>
+        <p:style>
+          <a:lnRef idx="2">
+            <a:schemeClr val="accent1">
+              <a:shade val="15000"/>
+            </a:schemeClr>
+          </a:lnRef>
+          <a:fillRef idx="1">
+            <a:schemeClr val="accent1"/>
+          </a:fillRef>
+          <a:effectRef idx="0">
+            <a:schemeClr val="accent1"/>
+          </a:effectRef>
+          <a:fontRef idx="minor">
+            <a:schemeClr val="lt1"/>
+          </a:fontRef>
+        </p:style>
+        <p:txBody>
+          <a:bodyPr rtlCol="0" anchor="ctr"/>
+          <a:lstStyle/>
+          <a:p>
+            <a:pPr algn="ctr"/>
+            <a:endParaRPr kumimoji="1" lang="ja-JP" altLang="en-US"/>
+          </a:p>
+        </p:txBody>
+      </p:sp>
+      <p:sp>
+        <p:nvSpPr>
+          <p:cNvPr id="83" name="テキスト ボックス 82">
+            <a:extLst>
+              <a:ext uri="{FF2B5EF4-FFF2-40B4-BE49-F238E27FC236}">
+                <a16:creationId xmlns:a16="http://schemas.microsoft.com/office/drawing/2014/main" id="{CA5AC16D-6637-8DC0-C0A1-0950BA860D6E}"/>
+              </a:ext>
+            </a:extLst>
+          </p:cNvPr>
+          <p:cNvSpPr txBox="1"/>
+          <p:nvPr/>
+        </p:nvSpPr>
+        <p:spPr>
+          <a:xfrm>
+            <a:off x="6713653" y="2992770"/>
+            <a:ext cx="2546554" cy="923330"/>
+          </a:xfrm>
+          <a:prstGeom prst="rect">
+            <a:avLst/>
+          </a:prstGeom>
+          <a:noFill/>
+        </p:spPr>
+        <p:txBody>
+          <a:bodyPr wrap="square" rtlCol="0">
+            <a:spAutoFit/>
+          </a:bodyPr>
+          <a:lstStyle/>
+          <a:p>
+            <a:r>
+              <a:rPr kumimoji="1" lang="ja-JP" altLang="en-US" dirty="0"/>
+              <a:t>ハンバーガーメニューから、下図に遷移することができます。</a:t>
+            </a:r>
+          </a:p>
+        </p:txBody>
+      </p:sp>
+      <p:grpSp>
+        <p:nvGrpSpPr>
+          <p:cNvPr id="107" name="グループ化 106">
+            <a:extLst>
+              <a:ext uri="{FF2B5EF4-FFF2-40B4-BE49-F238E27FC236}">
+                <a16:creationId xmlns:a16="http://schemas.microsoft.com/office/drawing/2014/main" id="{DEC32309-E8CE-A015-DC0F-25CCD8BF7A0A}"/>
+              </a:ext>
+            </a:extLst>
+          </p:cNvPr>
+          <p:cNvGrpSpPr/>
+          <p:nvPr/>
+        </p:nvGrpSpPr>
+        <p:grpSpPr>
+          <a:xfrm>
+            <a:off x="2760500" y="2206341"/>
+            <a:ext cx="7253429" cy="2836591"/>
+            <a:chOff x="2770332" y="2024799"/>
+            <a:chExt cx="7253429" cy="2836591"/>
+          </a:xfrm>
+        </p:grpSpPr>
+        <p:cxnSp>
+          <p:nvCxnSpPr>
+            <p:cNvPr id="124" name="直線コネクタ 123">
+              <a:extLst>
+                <a:ext uri="{FF2B5EF4-FFF2-40B4-BE49-F238E27FC236}">
+                  <a16:creationId xmlns:a16="http://schemas.microsoft.com/office/drawing/2014/main" id="{92B17FED-1E08-57D6-2F14-6695AAFF745A}"/>
+                </a:ext>
+              </a:extLst>
+            </p:cNvPr>
+            <p:cNvCxnSpPr>
+              <a:cxnSpLocks/>
+            </p:cNvCxnSpPr>
+            <p:nvPr/>
+          </p:nvCxnSpPr>
+          <p:spPr>
+            <a:xfrm flipH="1" flipV="1">
+              <a:off x="3880796" y="3993253"/>
+              <a:ext cx="4852119" cy="16112"/>
+            </a:xfrm>
+            <a:prstGeom prst="line">
+              <a:avLst/>
+            </a:prstGeom>
+          </p:spPr>
+          <p:style>
+            <a:lnRef idx="2">
+              <a:schemeClr val="dk1"/>
+            </a:lnRef>
+            <a:fillRef idx="0">
+              <a:schemeClr val="dk1"/>
+            </a:fillRef>
+            <a:effectRef idx="1">
+              <a:schemeClr val="dk1"/>
+            </a:effectRef>
+            <a:fontRef idx="minor">
+              <a:schemeClr val="tx1"/>
+            </a:fontRef>
+          </p:style>
+        </p:cxnSp>
+        <p:cxnSp>
+          <p:nvCxnSpPr>
+            <p:cNvPr id="140" name="直線コネクタ 139">
+              <a:extLst>
+                <a:ext uri="{FF2B5EF4-FFF2-40B4-BE49-F238E27FC236}">
+                  <a16:creationId xmlns:a16="http://schemas.microsoft.com/office/drawing/2014/main" id="{DD29396E-6948-E834-34AD-89E340B81A0C}"/>
+                </a:ext>
+              </a:extLst>
+            </p:cNvPr>
+            <p:cNvCxnSpPr>
+              <a:cxnSpLocks/>
+            </p:cNvCxnSpPr>
+            <p:nvPr/>
+          </p:nvCxnSpPr>
+          <p:spPr>
+            <a:xfrm>
+              <a:off x="3880796" y="3972933"/>
+              <a:ext cx="0" cy="787479"/>
+            </a:xfrm>
+            <a:prstGeom prst="line">
+              <a:avLst/>
+            </a:prstGeom>
+          </p:spPr>
+          <p:style>
+            <a:lnRef idx="2">
+              <a:schemeClr val="dk1"/>
+            </a:lnRef>
+            <a:fillRef idx="0">
+              <a:schemeClr val="dk1"/>
+            </a:fillRef>
+            <a:effectRef idx="1">
+              <a:schemeClr val="dk1"/>
+            </a:effectRef>
+            <a:fontRef idx="minor">
+              <a:schemeClr val="tx1"/>
+            </a:fontRef>
+          </p:style>
+        </p:cxnSp>
+        <p:cxnSp>
+          <p:nvCxnSpPr>
+            <p:cNvPr id="144" name="直線コネクタ 143">
+              <a:extLst>
+                <a:ext uri="{FF2B5EF4-FFF2-40B4-BE49-F238E27FC236}">
+                  <a16:creationId xmlns:a16="http://schemas.microsoft.com/office/drawing/2014/main" id="{97C7A246-C022-C489-96B3-D191EB07F8AA}"/>
+                </a:ext>
+              </a:extLst>
+            </p:cNvPr>
+            <p:cNvCxnSpPr>
+              <a:cxnSpLocks/>
+            </p:cNvCxnSpPr>
+            <p:nvPr/>
+          </p:nvCxnSpPr>
+          <p:spPr>
+            <a:xfrm>
+              <a:off x="8732915" y="3995079"/>
+              <a:ext cx="0" cy="786252"/>
+            </a:xfrm>
+            <a:prstGeom prst="line">
+              <a:avLst/>
+            </a:prstGeom>
+          </p:spPr>
+          <p:style>
+            <a:lnRef idx="2">
+              <a:schemeClr val="dk1"/>
+            </a:lnRef>
+            <a:fillRef idx="0">
+              <a:schemeClr val="dk1"/>
+            </a:fillRef>
+            <a:effectRef idx="1">
+              <a:schemeClr val="dk1"/>
+            </a:effectRef>
+            <a:fontRef idx="minor">
+              <a:schemeClr val="tx1"/>
+            </a:fontRef>
+          </p:style>
+        </p:cxnSp>
+        <p:cxnSp>
+          <p:nvCxnSpPr>
+            <p:cNvPr id="82" name="直線コネクタ 81">
+              <a:extLst>
+                <a:ext uri="{FF2B5EF4-FFF2-40B4-BE49-F238E27FC236}">
+                  <a16:creationId xmlns:a16="http://schemas.microsoft.com/office/drawing/2014/main" id="{73B564BC-E6F7-F619-E2F9-5A63D7B0EF31}"/>
+                </a:ext>
+              </a:extLst>
+            </p:cNvPr>
+            <p:cNvCxnSpPr>
+              <a:cxnSpLocks/>
+              <a:stCxn id="13" idx="3"/>
+            </p:cNvCxnSpPr>
+            <p:nvPr/>
+          </p:nvCxnSpPr>
+          <p:spPr>
+            <a:xfrm flipH="1">
+              <a:off x="6022289" y="2724714"/>
+              <a:ext cx="9540" cy="1680556"/>
+            </a:xfrm>
+            <a:prstGeom prst="line">
+              <a:avLst/>
+            </a:prstGeom>
+          </p:spPr>
+          <p:style>
+            <a:lnRef idx="2">
+              <a:schemeClr val="dk1"/>
+            </a:lnRef>
+            <a:fillRef idx="0">
+              <a:schemeClr val="dk1"/>
+            </a:fillRef>
+            <a:effectRef idx="1">
+              <a:schemeClr val="dk1"/>
+            </a:effectRef>
+            <a:fontRef idx="minor">
+              <a:schemeClr val="tx1"/>
+            </a:fontRef>
+          </p:style>
+        </p:cxnSp>
+        <p:sp>
+          <p:nvSpPr>
+            <p:cNvPr id="10" name="テキスト ボックス 9">
+              <a:extLst>
+                <a:ext uri="{FF2B5EF4-FFF2-40B4-BE49-F238E27FC236}">
+                  <a16:creationId xmlns:a16="http://schemas.microsoft.com/office/drawing/2014/main" id="{3F371FA5-73BE-6641-5420-D3583B6C5716}"/>
+                </a:ext>
+              </a:extLst>
+            </p:cNvPr>
+            <p:cNvSpPr txBox="1"/>
+            <p:nvPr/>
+          </p:nvSpPr>
+          <p:spPr>
+            <a:xfrm>
+              <a:off x="5332508" y="2024799"/>
+              <a:ext cx="1420239" cy="461665"/>
+            </a:xfrm>
+            <a:prstGeom prst="rect">
+              <a:avLst/>
+            </a:prstGeom>
+            <a:noFill/>
+          </p:spPr>
+          <p:txBody>
+            <a:bodyPr wrap="square" rtlCol="0">
+              <a:spAutoFit/>
+            </a:bodyPr>
+            <a:lstStyle/>
+            <a:p>
+              <a:endParaRPr kumimoji="1" lang="ja-JP" altLang="en-US" sz="2400" b="1" dirty="0"/>
+            </a:p>
+          </p:txBody>
+        </p:sp>
+        <p:sp>
+          <p:nvSpPr>
+            <p:cNvPr id="13" name="動作設定ボタン: ホームへ移動 12">
+              <a:hlinkClick r:id="" action="ppaction://hlinkshowjump?jump=firstslide" highlightClick="1"/>
+              <a:extLst>
+                <a:ext uri="{FF2B5EF4-FFF2-40B4-BE49-F238E27FC236}">
+                  <a16:creationId xmlns:a16="http://schemas.microsoft.com/office/drawing/2014/main" id="{D6BF0CFD-C88D-4B0F-128D-5455F7EF057C}"/>
+                </a:ext>
+              </a:extLst>
+            </p:cNvPr>
+            <p:cNvSpPr/>
+            <p:nvPr/>
+          </p:nvSpPr>
+          <p:spPr>
+            <a:xfrm>
+              <a:off x="5381101" y="2724714"/>
+              <a:ext cx="1301455" cy="1008880"/>
+            </a:xfrm>
+            <a:prstGeom prst="actionButtonHome">
+              <a:avLst/>
+            </a:prstGeom>
+            <a:solidFill>
+              <a:srgbClr val="F1F8E8"/>
+            </a:solidFill>
+            <a:ln>
+              <a:solidFill>
+                <a:srgbClr val="008080"/>
+              </a:solidFill>
+            </a:ln>
+          </p:spPr>
+          <p:style>
+            <a:lnRef idx="2">
+              <a:schemeClr val="accent1">
+                <a:shade val="15000"/>
+              </a:schemeClr>
+            </a:lnRef>
+            <a:fillRef idx="1">
+              <a:schemeClr val="accent1"/>
+            </a:fillRef>
+            <a:effectRef idx="0">
+              <a:schemeClr val="accent1"/>
+            </a:effectRef>
+            <a:fontRef idx="minor">
+              <a:schemeClr val="lt1"/>
+            </a:fontRef>
+          </p:style>
+          <p:txBody>
+            <a:bodyPr rtlCol="0" anchor="ctr"/>
+            <a:lstStyle/>
+            <a:p>
+              <a:pPr algn="ctr"/>
+              <a:endParaRPr kumimoji="1" lang="ja-JP" altLang="en-US"/>
+            </a:p>
+          </p:txBody>
+        </p:sp>
+        <p:sp>
+          <p:nvSpPr>
+            <p:cNvPr id="11" name="テキスト ボックス 10">
+              <a:extLst>
+                <a:ext uri="{FF2B5EF4-FFF2-40B4-BE49-F238E27FC236}">
+                  <a16:creationId xmlns:a16="http://schemas.microsoft.com/office/drawing/2014/main" id="{17792BC6-327D-F128-26AC-9E946CE0ED7C}"/>
+                </a:ext>
+              </a:extLst>
+            </p:cNvPr>
+            <p:cNvSpPr txBox="1"/>
+            <p:nvPr/>
+          </p:nvSpPr>
+          <p:spPr>
+            <a:xfrm>
+              <a:off x="5137488" y="2816347"/>
+              <a:ext cx="1772648" cy="830997"/>
+            </a:xfrm>
+            <a:prstGeom prst="rect">
+              <a:avLst/>
+            </a:prstGeom>
+            <a:noFill/>
+          </p:spPr>
+          <p:txBody>
+            <a:bodyPr wrap="square" rtlCol="0">
+              <a:spAutoFit/>
+            </a:bodyPr>
+            <a:lstStyle/>
+            <a:p>
+              <a:pPr algn="ctr"/>
+              <a:r>
+                <a:rPr kumimoji="1" lang="ja-JP" altLang="en-US" sz="2400" b="1" dirty="0"/>
+                <a:t>家管理</a:t>
+              </a:r>
+              <a:endParaRPr kumimoji="1" lang="en-US" altLang="ja-JP" sz="2400" b="1" dirty="0"/>
+            </a:p>
+            <a:p>
+              <a:pPr algn="ctr"/>
+              <a:r>
+                <a:rPr kumimoji="1" lang="ja-JP" altLang="en-US" sz="2400" b="1" dirty="0"/>
+                <a:t>（メイン）　　　　</a:t>
+              </a:r>
+              <a:endParaRPr kumimoji="1" lang="en-US" altLang="ja-JP" sz="2400" b="1" dirty="0"/>
+            </a:p>
+          </p:txBody>
+        </p:sp>
+        <p:sp>
+          <p:nvSpPr>
+            <p:cNvPr id="38" name="矢印: 下 37">
+              <a:extLst>
+                <a:ext uri="{FF2B5EF4-FFF2-40B4-BE49-F238E27FC236}">
+                  <a16:creationId xmlns:a16="http://schemas.microsoft.com/office/drawing/2014/main" id="{E0060556-4DC0-4494-F00D-1AB97048E7A2}"/>
+                </a:ext>
+              </a:extLst>
+            </p:cNvPr>
+            <p:cNvSpPr/>
+            <p:nvPr/>
+          </p:nvSpPr>
+          <p:spPr>
+            <a:xfrm>
+              <a:off x="5945596" y="2402186"/>
+              <a:ext cx="218560" cy="330138"/>
+            </a:xfrm>
+            <a:prstGeom prst="downArrow">
+              <a:avLst/>
+            </a:prstGeom>
+          </p:spPr>
+          <p:style>
+            <a:lnRef idx="2">
+              <a:schemeClr val="accent1">
+                <a:shade val="15000"/>
+              </a:schemeClr>
+            </a:lnRef>
+            <a:fillRef idx="1">
+              <a:schemeClr val="accent1"/>
+            </a:fillRef>
+            <a:effectRef idx="0">
+              <a:schemeClr val="accent1"/>
+            </a:effectRef>
+            <a:fontRef idx="minor">
+              <a:schemeClr val="lt1"/>
+            </a:fontRef>
+          </p:style>
+          <p:txBody>
+            <a:bodyPr rtlCol="0" anchor="ctr"/>
+            <a:lstStyle/>
+            <a:p>
+              <a:pPr algn="ctr"/>
+              <a:endParaRPr kumimoji="1" lang="ja-JP" altLang="en-US"/>
+            </a:p>
+          </p:txBody>
+        </p:sp>
+        <p:sp>
+          <p:nvSpPr>
+            <p:cNvPr id="87" name="楕円 86">
+              <a:extLst>
+                <a:ext uri="{FF2B5EF4-FFF2-40B4-BE49-F238E27FC236}">
+                  <a16:creationId xmlns:a16="http://schemas.microsoft.com/office/drawing/2014/main" id="{6BD8253A-0320-16D9-FAE5-C297FC91EDEE}"/>
+                </a:ext>
+              </a:extLst>
+            </p:cNvPr>
+            <p:cNvSpPr/>
+            <p:nvPr/>
+          </p:nvSpPr>
+          <p:spPr>
+            <a:xfrm>
+              <a:off x="7869371" y="4237430"/>
+              <a:ext cx="1847082" cy="578493"/>
+            </a:xfrm>
+            <a:prstGeom prst="ellipse">
+              <a:avLst/>
+            </a:prstGeom>
+            <a:solidFill>
+              <a:srgbClr val="F1F8E8"/>
+            </a:solidFill>
+            <a:ln>
+              <a:solidFill>
+                <a:srgbClr val="008080"/>
+              </a:solidFill>
+            </a:ln>
+          </p:spPr>
+          <p:style>
+            <a:lnRef idx="2">
+              <a:schemeClr val="accent1">
+                <a:shade val="15000"/>
+              </a:schemeClr>
+            </a:lnRef>
+            <a:fillRef idx="1">
+              <a:schemeClr val="accent1"/>
+            </a:fillRef>
+            <a:effectRef idx="0">
+              <a:schemeClr val="accent1"/>
+            </a:effectRef>
+            <a:fontRef idx="minor">
+              <a:schemeClr val="lt1"/>
+            </a:fontRef>
+          </p:style>
+          <p:txBody>
+            <a:bodyPr rtlCol="0" anchor="ctr"/>
+            <a:lstStyle/>
+            <a:p>
+              <a:pPr algn="ctr"/>
+              <a:endParaRPr kumimoji="1" lang="ja-JP" altLang="en-US" dirty="0"/>
+            </a:p>
+          </p:txBody>
+        </p:sp>
+        <p:sp>
+          <p:nvSpPr>
+            <p:cNvPr id="88" name="楕円 87">
+              <a:extLst>
+                <a:ext uri="{FF2B5EF4-FFF2-40B4-BE49-F238E27FC236}">
+                  <a16:creationId xmlns:a16="http://schemas.microsoft.com/office/drawing/2014/main" id="{D15DBE6B-0E16-0E0D-A07D-CE222EBF1B79}"/>
+                </a:ext>
+              </a:extLst>
+            </p:cNvPr>
+            <p:cNvSpPr/>
+            <p:nvPr/>
+          </p:nvSpPr>
+          <p:spPr>
+            <a:xfrm>
+              <a:off x="2770332" y="4263796"/>
+              <a:ext cx="1847082" cy="578493"/>
+            </a:xfrm>
+            <a:prstGeom prst="ellipse">
+              <a:avLst/>
+            </a:prstGeom>
+            <a:solidFill>
+              <a:srgbClr val="F1F8E8"/>
+            </a:solidFill>
+            <a:ln>
+              <a:solidFill>
+                <a:srgbClr val="008080"/>
+              </a:solidFill>
+            </a:ln>
+          </p:spPr>
+          <p:style>
+            <a:lnRef idx="2">
+              <a:schemeClr val="accent1">
+                <a:shade val="15000"/>
+              </a:schemeClr>
+            </a:lnRef>
+            <a:fillRef idx="1">
+              <a:schemeClr val="accent1"/>
+            </a:fillRef>
+            <a:effectRef idx="0">
+              <a:schemeClr val="accent1"/>
+            </a:effectRef>
+            <a:fontRef idx="minor">
+              <a:schemeClr val="lt1"/>
+            </a:fontRef>
+          </p:style>
+          <p:txBody>
+            <a:bodyPr rtlCol="0" anchor="ctr"/>
+            <a:lstStyle/>
+            <a:p>
+              <a:pPr algn="ctr"/>
+              <a:endParaRPr kumimoji="1" lang="ja-JP" altLang="en-US" dirty="0"/>
+            </a:p>
+          </p:txBody>
+        </p:sp>
+        <p:sp>
+          <p:nvSpPr>
+            <p:cNvPr id="90" name="楕円 89">
+              <a:extLst>
+                <a:ext uri="{FF2B5EF4-FFF2-40B4-BE49-F238E27FC236}">
+                  <a16:creationId xmlns:a16="http://schemas.microsoft.com/office/drawing/2014/main" id="{872B7915-169F-7F17-6F3E-014CF840CA64}"/>
+                </a:ext>
+              </a:extLst>
+            </p:cNvPr>
+            <p:cNvSpPr/>
+            <p:nvPr/>
+          </p:nvSpPr>
+          <p:spPr>
+            <a:xfrm>
+              <a:off x="5104878" y="4282897"/>
+              <a:ext cx="1847082" cy="578493"/>
+            </a:xfrm>
+            <a:prstGeom prst="ellipse">
+              <a:avLst/>
+            </a:prstGeom>
+            <a:solidFill>
+              <a:srgbClr val="F1F8E8"/>
+            </a:solidFill>
+            <a:ln>
+              <a:solidFill>
+                <a:srgbClr val="008080"/>
+              </a:solidFill>
+            </a:ln>
+          </p:spPr>
+          <p:style>
+            <a:lnRef idx="2">
+              <a:schemeClr val="accent1">
+                <a:shade val="15000"/>
+              </a:schemeClr>
+            </a:lnRef>
+            <a:fillRef idx="1">
+              <a:schemeClr val="accent1"/>
+            </a:fillRef>
+            <a:effectRef idx="0">
+              <a:schemeClr val="accent1"/>
+            </a:effectRef>
+            <a:fontRef idx="minor">
+              <a:schemeClr val="lt1"/>
+            </a:fontRef>
+          </p:style>
+          <p:txBody>
+            <a:bodyPr rtlCol="0" anchor="ctr"/>
+            <a:lstStyle/>
+            <a:p>
+              <a:pPr algn="ctr"/>
+              <a:endParaRPr kumimoji="1" lang="ja-JP" altLang="en-US" dirty="0"/>
+            </a:p>
+          </p:txBody>
+        </p:sp>
+        <p:sp>
+          <p:nvSpPr>
+            <p:cNvPr id="101" name="テキスト ボックス 100">
+              <a:extLst>
+                <a:ext uri="{FF2B5EF4-FFF2-40B4-BE49-F238E27FC236}">
+                  <a16:creationId xmlns:a16="http://schemas.microsoft.com/office/drawing/2014/main" id="{C66851F1-C47F-D862-E188-9D2C89A095FA}"/>
+                </a:ext>
+              </a:extLst>
+            </p:cNvPr>
+            <p:cNvSpPr txBox="1"/>
+            <p:nvPr/>
+          </p:nvSpPr>
+          <p:spPr>
+            <a:xfrm>
+              <a:off x="8020358" y="4363526"/>
+              <a:ext cx="2003403" cy="369332"/>
+            </a:xfrm>
+            <a:prstGeom prst="rect">
+              <a:avLst/>
+            </a:prstGeom>
+            <a:noFill/>
+          </p:spPr>
+          <p:txBody>
+            <a:bodyPr wrap="square" rtlCol="0">
+              <a:spAutoFit/>
+            </a:bodyPr>
+            <a:lstStyle/>
+            <a:p>
+              <a:r>
+                <a:rPr kumimoji="1" lang="ja-JP" altLang="en-US" b="1" dirty="0"/>
+                <a:t>レシート精算</a:t>
+              </a:r>
+            </a:p>
+          </p:txBody>
+        </p:sp>
+        <p:sp>
+          <p:nvSpPr>
+            <p:cNvPr id="102" name="テキスト ボックス 101">
+              <a:extLst>
+                <a:ext uri="{FF2B5EF4-FFF2-40B4-BE49-F238E27FC236}">
+                  <a16:creationId xmlns:a16="http://schemas.microsoft.com/office/drawing/2014/main" id="{3FC49E21-FB73-6032-C072-CD46AE66D99F}"/>
+                </a:ext>
+              </a:extLst>
+            </p:cNvPr>
+            <p:cNvSpPr txBox="1"/>
+            <p:nvPr/>
+          </p:nvSpPr>
+          <p:spPr>
+            <a:xfrm>
+              <a:off x="3129630" y="4351708"/>
+              <a:ext cx="2003403" cy="369332"/>
+            </a:xfrm>
+            <a:prstGeom prst="rect">
+              <a:avLst/>
+            </a:prstGeom>
+            <a:noFill/>
+          </p:spPr>
+          <p:txBody>
+            <a:bodyPr wrap="square" rtlCol="0">
+              <a:spAutoFit/>
+            </a:bodyPr>
+            <a:lstStyle/>
+            <a:p>
+              <a:r>
+                <a:rPr lang="ja-JP" altLang="en-US" b="1" dirty="0"/>
+                <a:t>家事分担</a:t>
+              </a:r>
+              <a:endParaRPr kumimoji="1" lang="ja-JP" altLang="en-US" b="1" dirty="0"/>
+            </a:p>
+          </p:txBody>
+        </p:sp>
+        <p:sp>
+          <p:nvSpPr>
+            <p:cNvPr id="103" name="テキスト ボックス 102">
+              <a:extLst>
+                <a:ext uri="{FF2B5EF4-FFF2-40B4-BE49-F238E27FC236}">
+                  <a16:creationId xmlns:a16="http://schemas.microsoft.com/office/drawing/2014/main" id="{834F20B3-017E-741D-4F31-5D8F6B642D46}"/>
+                </a:ext>
+              </a:extLst>
+            </p:cNvPr>
+            <p:cNvSpPr txBox="1"/>
+            <p:nvPr/>
+          </p:nvSpPr>
+          <p:spPr>
+            <a:xfrm>
+              <a:off x="5350300" y="4365312"/>
+              <a:ext cx="1529035" cy="369332"/>
+            </a:xfrm>
+            <a:prstGeom prst="rect">
+              <a:avLst/>
+            </a:prstGeom>
+            <a:noFill/>
+          </p:spPr>
+          <p:txBody>
+            <a:bodyPr wrap="square" rtlCol="0">
+              <a:spAutoFit/>
+            </a:bodyPr>
+            <a:lstStyle/>
+            <a:p>
+              <a:r>
+                <a:rPr lang="ja-JP" altLang="en-US" b="1" dirty="0"/>
+                <a:t>消耗品管理</a:t>
+              </a:r>
+              <a:endParaRPr kumimoji="1" lang="ja-JP" altLang="en-US" b="1" dirty="0"/>
+            </a:p>
+          </p:txBody>
+        </p:sp>
+      </p:grpSp>
+      <p:sp>
+        <p:nvSpPr>
+          <p:cNvPr id="8" name="テキスト ボックス 7">
+            <a:extLst>
+              <a:ext uri="{FF2B5EF4-FFF2-40B4-BE49-F238E27FC236}">
+                <a16:creationId xmlns:a16="http://schemas.microsoft.com/office/drawing/2014/main" id="{9E2016B6-414B-AD35-E380-7D0A5FDEBB65}"/>
+              </a:ext>
+            </a:extLst>
+          </p:cNvPr>
+          <p:cNvSpPr txBox="1"/>
+          <p:nvPr/>
+        </p:nvSpPr>
+        <p:spPr>
+          <a:xfrm>
+            <a:off x="4743376" y="1518665"/>
+            <a:ext cx="3092116" cy="400110"/>
+          </a:xfrm>
+          <a:prstGeom prst="rect">
+            <a:avLst/>
+          </a:prstGeom>
+          <a:noFill/>
+        </p:spPr>
+        <p:txBody>
+          <a:bodyPr wrap="square" rtlCol="0">
+            <a:spAutoFit/>
+          </a:bodyPr>
+          <a:lstStyle/>
+          <a:p>
+            <a:r>
+              <a:rPr lang="ja-JP" altLang="en-US" sz="2000" b="1" dirty="0"/>
+              <a:t>ユーザー登録・ログイン</a:t>
+            </a:r>
+            <a:endParaRPr kumimoji="1" lang="ja-JP" altLang="en-US" sz="2000" b="1" dirty="0"/>
+          </a:p>
+        </p:txBody>
+      </p:sp>
+      <p:sp>
+        <p:nvSpPr>
+          <p:cNvPr id="7" name="テキスト ボックス 6">
+            <a:extLst>
+              <a:ext uri="{FF2B5EF4-FFF2-40B4-BE49-F238E27FC236}">
+                <a16:creationId xmlns:a16="http://schemas.microsoft.com/office/drawing/2014/main" id="{1148C221-7010-98D2-0A6F-55DF031B37E1}"/>
+              </a:ext>
+            </a:extLst>
+          </p:cNvPr>
+          <p:cNvSpPr txBox="1"/>
+          <p:nvPr/>
+        </p:nvSpPr>
+        <p:spPr>
+          <a:xfrm>
+            <a:off x="5205495" y="2194190"/>
+            <a:ext cx="1808552" cy="400110"/>
+          </a:xfrm>
+          <a:prstGeom prst="rect">
+            <a:avLst/>
+          </a:prstGeom>
+          <a:noFill/>
+        </p:spPr>
+        <p:txBody>
+          <a:bodyPr wrap="square" rtlCol="0">
+            <a:spAutoFit/>
+          </a:bodyPr>
+          <a:lstStyle/>
+          <a:p>
+            <a:r>
+              <a:rPr kumimoji="1" lang="ja-JP" altLang="en-US" sz="2000" b="1" dirty="0"/>
+              <a:t>家登録・参加</a:t>
+            </a:r>
+          </a:p>
+        </p:txBody>
+      </p:sp>
+    </p:spTree>
+    <p:extLst>
+      <p:ext uri="{BB962C8B-B14F-4D97-AF65-F5344CB8AC3E}">
+        <p14:creationId xmlns:p14="http://schemas.microsoft.com/office/powerpoint/2010/main" val="715553583"/>
       </p:ext>
     </p:extLst>
   </p:cSld>
@@ -7094,4 +8681,319 @@
     </a:ext>
   </a:extLst>
 </a:theme>
+</file>
+
+<file path=ppt/theme/theme2.xml><?xml version="1.0" encoding="utf-8"?>
+<a:theme xmlns:a="http://schemas.openxmlformats.org/drawingml/2006/main" name="Office テーマ">
+  <a:themeElements>
+    <a:clrScheme name="Office">
+      <a:dk1>
+        <a:sysClr val="windowText" lastClr="000000"/>
+      </a:dk1>
+      <a:lt1>
+        <a:sysClr val="window" lastClr="FFFFFF"/>
+      </a:lt1>
+      <a:dk2>
+        <a:srgbClr val="0E2841"/>
+      </a:dk2>
+      <a:lt2>
+        <a:srgbClr val="E8E8E8"/>
+      </a:lt2>
+      <a:accent1>
+        <a:srgbClr val="156082"/>
+      </a:accent1>
+      <a:accent2>
+        <a:srgbClr val="E97132"/>
+      </a:accent2>
+      <a:accent3>
+        <a:srgbClr val="196B24"/>
+      </a:accent3>
+      <a:accent4>
+        <a:srgbClr val="0F9ED5"/>
+      </a:accent4>
+      <a:accent5>
+        <a:srgbClr val="A02B93"/>
+      </a:accent5>
+      <a:accent6>
+        <a:srgbClr val="4EA72E"/>
+      </a:accent6>
+      <a:hlink>
+        <a:srgbClr val="467886"/>
+      </a:hlink>
+      <a:folHlink>
+        <a:srgbClr val="96607D"/>
+      </a:folHlink>
+    </a:clrScheme>
+    <a:fontScheme name="Office">
+      <a:majorFont>
+        <a:latin typeface="游ゴシック Light" panose="02110004020202020204"/>
+        <a:ea typeface=""/>
+        <a:cs typeface=""/>
+        <a:font script="Jpan" typeface="游ゴシック Light"/>
+        <a:font script="Hang" typeface="맑은 고딕"/>
+        <a:font script="Hans" typeface="等线 Light"/>
+        <a:font script="Hant" typeface="新細明體"/>
+        <a:font script="Arab" typeface="Times New Roman"/>
+        <a:font script="Hebr" typeface="Times New Roman"/>
+        <a:font script="Thai" typeface="Angsana New"/>
+        <a:font script="Ethi" typeface="Nyala"/>
+        <a:font script="Beng" typeface="Vrinda"/>
+        <a:font script="Gujr" typeface="Shruti"/>
+        <a:font script="Khmr" typeface="MoolBoran"/>
+        <a:font script="Knda" typeface="Tunga"/>
+        <a:font script="Guru" typeface="Raavi"/>
+        <a:font script="Cans" typeface="Euphemia"/>
+        <a:font script="Cher" typeface="Plantagenet Cherokee"/>
+        <a:font script="Yiii" typeface="Microsoft Yi Baiti"/>
+        <a:font script="Tibt" typeface="Microsoft Himalaya"/>
+        <a:font script="Thaa" typeface="MV Boli"/>
+        <a:font script="Deva" typeface="Mangal"/>
+        <a:font script="Telu" typeface="Gautami"/>
+        <a:font script="Taml" typeface="Latha"/>
+        <a:font script="Syrc" typeface="Estrangelo Edessa"/>
+        <a:font script="Orya" typeface="Kalinga"/>
+        <a:font script="Mlym" typeface="Kartika"/>
+        <a:font script="Laoo" typeface="DokChampa"/>
+        <a:font script="Sinh" typeface="Iskoola Pota"/>
+        <a:font script="Mong" typeface="Mongolian Baiti"/>
+        <a:font script="Viet" typeface="Times New Roman"/>
+        <a:font script="Uigh" typeface="Microsoft Uighur"/>
+        <a:font script="Geor" typeface="Sylfaen"/>
+        <a:font script="Armn" typeface="Arial"/>
+        <a:font script="Bugi" typeface="Leelawadee UI"/>
+        <a:font script="Bopo" typeface="Microsoft JhengHei"/>
+        <a:font script="Java" typeface="Javanese Text"/>
+        <a:font script="Lisu" typeface="Segoe UI"/>
+        <a:font script="Mymr" typeface="Myanmar Text"/>
+        <a:font script="Nkoo" typeface="Ebrima"/>
+        <a:font script="Olck" typeface="Nirmala UI"/>
+        <a:font script="Osma" typeface="Ebrima"/>
+        <a:font script="Phag" typeface="Phagspa"/>
+        <a:font script="Syrn" typeface="Estrangelo Edessa"/>
+        <a:font script="Syrj" typeface="Estrangelo Edessa"/>
+        <a:font script="Syre" typeface="Estrangelo Edessa"/>
+        <a:font script="Sora" typeface="Nirmala UI"/>
+        <a:font script="Tale" typeface="Microsoft Tai Le"/>
+        <a:font script="Talu" typeface="Microsoft New Tai Lue"/>
+        <a:font script="Tfng" typeface="Ebrima"/>
+      </a:majorFont>
+      <a:minorFont>
+        <a:latin typeface="游ゴシック" panose="02110004020202020204"/>
+        <a:ea typeface=""/>
+        <a:cs typeface=""/>
+        <a:font script="Jpan" typeface="游ゴシック"/>
+        <a:font script="Hang" typeface="맑은 고딕"/>
+        <a:font script="Hans" typeface="等线"/>
+        <a:font script="Hant" typeface="新細明體"/>
+        <a:font script="Arab" typeface="Arial"/>
+        <a:font script="Hebr" typeface="Arial"/>
+        <a:font script="Thai" typeface="Cordia New"/>
+        <a:font script="Ethi" typeface="Nyala"/>
+        <a:font script="Beng" typeface="Vrinda"/>
+        <a:font script="Gujr" typeface="Shruti"/>
+        <a:font script="Khmr" typeface="DaunPenh"/>
+        <a:font script="Knda" typeface="Tunga"/>
+        <a:font script="Guru" typeface="Raavi"/>
+        <a:font script="Cans" typeface="Euphemia"/>
+        <a:font script="Cher" typeface="Plantagenet Cherokee"/>
+        <a:font script="Yiii" typeface="Microsoft Yi Baiti"/>
+        <a:font script="Tibt" typeface="Microsoft Himalaya"/>
+        <a:font script="Thaa" typeface="MV Boli"/>
+        <a:font script="Deva" typeface="Mangal"/>
+        <a:font script="Telu" typeface="Gautami"/>
+        <a:font script="Taml" typeface="Latha"/>
+        <a:font script="Syrc" typeface="Estrangelo Edessa"/>
+        <a:font script="Orya" typeface="Kalinga"/>
+        <a:font script="Mlym" typeface="Kartika"/>
+        <a:font script="Laoo" typeface="DokChampa"/>
+        <a:font script="Sinh" typeface="Iskoola Pota"/>
+        <a:font script="Mong" typeface="Mongolian Baiti"/>
+        <a:font script="Viet" typeface="Arial"/>
+        <a:font script="Uigh" typeface="Microsoft Uighur"/>
+        <a:font script="Geor" typeface="Sylfaen"/>
+        <a:font script="Armn" typeface="Arial"/>
+        <a:font script="Bugi" typeface="Leelawadee UI"/>
+        <a:font script="Bopo" typeface="Microsoft JhengHei"/>
+        <a:font script="Java" typeface="Javanese Text"/>
+        <a:font script="Lisu" typeface="Segoe UI"/>
+        <a:font script="Mymr" typeface="Myanmar Text"/>
+        <a:font script="Nkoo" typeface="Ebrima"/>
+        <a:font script="Olck" typeface="Nirmala UI"/>
+        <a:font script="Osma" typeface="Ebrima"/>
+        <a:font script="Phag" typeface="Phagspa"/>
+        <a:font script="Syrn" typeface="Estrangelo Edessa"/>
+        <a:font script="Syrj" typeface="Estrangelo Edessa"/>
+        <a:font script="Syre" typeface="Estrangelo Edessa"/>
+        <a:font script="Sora" typeface="Nirmala UI"/>
+        <a:font script="Tale" typeface="Microsoft Tai Le"/>
+        <a:font script="Talu" typeface="Microsoft New Tai Lue"/>
+        <a:font script="Tfng" typeface="Ebrima"/>
+      </a:minorFont>
+    </a:fontScheme>
+    <a:fmtScheme name="Office">
+      <a:fillStyleLst>
+        <a:solidFill>
+          <a:schemeClr val="phClr"/>
+        </a:solidFill>
+        <a:gradFill rotWithShape="1">
+          <a:gsLst>
+            <a:gs pos="0">
+              <a:schemeClr val="phClr">
+                <a:lumMod val="110000"/>
+                <a:satMod val="105000"/>
+                <a:tint val="67000"/>
+              </a:schemeClr>
+            </a:gs>
+            <a:gs pos="50000">
+              <a:schemeClr val="phClr">
+                <a:lumMod val="105000"/>
+                <a:satMod val="103000"/>
+                <a:tint val="73000"/>
+              </a:schemeClr>
+            </a:gs>
+            <a:gs pos="100000">
+              <a:schemeClr val="phClr">
+                <a:lumMod val="105000"/>
+                <a:satMod val="109000"/>
+                <a:tint val="81000"/>
+              </a:schemeClr>
+            </a:gs>
+          </a:gsLst>
+          <a:lin ang="5400000" scaled="0"/>
+        </a:gradFill>
+        <a:gradFill rotWithShape="1">
+          <a:gsLst>
+            <a:gs pos="0">
+              <a:schemeClr val="phClr">
+                <a:satMod val="103000"/>
+                <a:lumMod val="102000"/>
+                <a:tint val="94000"/>
+              </a:schemeClr>
+            </a:gs>
+            <a:gs pos="50000">
+              <a:schemeClr val="phClr">
+                <a:satMod val="110000"/>
+                <a:lumMod val="100000"/>
+                <a:shade val="100000"/>
+              </a:schemeClr>
+            </a:gs>
+            <a:gs pos="100000">
+              <a:schemeClr val="phClr">
+                <a:lumMod val="99000"/>
+                <a:satMod val="120000"/>
+                <a:shade val="78000"/>
+              </a:schemeClr>
+            </a:gs>
+          </a:gsLst>
+          <a:lin ang="5400000" scaled="0"/>
+        </a:gradFill>
+      </a:fillStyleLst>
+      <a:lnStyleLst>
+        <a:ln w="12700" cap="flat" cmpd="sng" algn="ctr">
+          <a:solidFill>
+            <a:schemeClr val="phClr"/>
+          </a:solidFill>
+          <a:prstDash val="solid"/>
+          <a:miter lim="800000"/>
+        </a:ln>
+        <a:ln w="19050" cap="flat" cmpd="sng" algn="ctr">
+          <a:solidFill>
+            <a:schemeClr val="phClr"/>
+          </a:solidFill>
+          <a:prstDash val="solid"/>
+          <a:miter lim="800000"/>
+        </a:ln>
+        <a:ln w="25400" cap="flat" cmpd="sng" algn="ctr">
+          <a:solidFill>
+            <a:schemeClr val="phClr"/>
+          </a:solidFill>
+          <a:prstDash val="solid"/>
+          <a:miter lim="800000"/>
+        </a:ln>
+      </a:lnStyleLst>
+      <a:effectStyleLst>
+        <a:effectStyle>
+          <a:effectLst/>
+        </a:effectStyle>
+        <a:effectStyle>
+          <a:effectLst/>
+        </a:effectStyle>
+        <a:effectStyle>
+          <a:effectLst>
+            <a:outerShdw blurRad="57150" dist="19050" dir="5400000" algn="ctr" rotWithShape="0">
+              <a:srgbClr val="000000">
+                <a:alpha val="63000"/>
+              </a:srgbClr>
+            </a:outerShdw>
+          </a:effectLst>
+        </a:effectStyle>
+      </a:effectStyleLst>
+      <a:bgFillStyleLst>
+        <a:solidFill>
+          <a:schemeClr val="phClr"/>
+        </a:solidFill>
+        <a:solidFill>
+          <a:schemeClr val="phClr">
+            <a:tint val="95000"/>
+            <a:satMod val="170000"/>
+          </a:schemeClr>
+        </a:solidFill>
+        <a:gradFill rotWithShape="1">
+          <a:gsLst>
+            <a:gs pos="0">
+              <a:schemeClr val="phClr">
+                <a:tint val="93000"/>
+                <a:satMod val="150000"/>
+                <a:shade val="98000"/>
+                <a:lumMod val="102000"/>
+              </a:schemeClr>
+            </a:gs>
+            <a:gs pos="50000">
+              <a:schemeClr val="phClr">
+                <a:tint val="98000"/>
+                <a:satMod val="130000"/>
+                <a:shade val="90000"/>
+                <a:lumMod val="103000"/>
+              </a:schemeClr>
+            </a:gs>
+            <a:gs pos="100000">
+              <a:schemeClr val="phClr">
+                <a:shade val="63000"/>
+                <a:satMod val="120000"/>
+              </a:schemeClr>
+            </a:gs>
+          </a:gsLst>
+          <a:lin ang="5400000" scaled="0"/>
+        </a:gradFill>
+      </a:bgFillStyleLst>
+    </a:fmtScheme>
+  </a:themeElements>
+  <a:objectDefaults>
+    <a:lnDef>
+      <a:spPr/>
+      <a:bodyPr/>
+      <a:lstStyle/>
+      <a:style>
+        <a:lnRef idx="2">
+          <a:schemeClr val="accent1"/>
+        </a:lnRef>
+        <a:fillRef idx="0">
+          <a:schemeClr val="accent1"/>
+        </a:fillRef>
+        <a:effectRef idx="1">
+          <a:schemeClr val="accent1"/>
+        </a:effectRef>
+        <a:fontRef idx="minor">
+          <a:schemeClr val="tx1"/>
+        </a:fontRef>
+      </a:style>
+    </a:lnDef>
+  </a:objectDefaults>
+  <a:extraClrSchemeLst/>
+  <a:extLst>
+    <a:ext uri="{05A4C25C-085E-4340-85A3-A5531E510DB2}">
+      <thm15:themeFamily xmlns:thm15="http://schemas.microsoft.com/office/thememl/2012/main" name="Office Theme" id="{2E142A2C-CD16-42D6-873A-C26D2A0506FA}" vid="{1BDDFF52-6CD6-40A5-AB3C-68EB2F1E4D0A}"/>
+    </a:ext>
+  </a:extLst>
+</a:theme>
 </file>